--- a/doc/06_02 Template_ppt_sesion_Chatbot_para_refugiados.pptx
+++ b/doc/06_02 Template_ppt_sesion_Chatbot_para_refugiados.pptx
@@ -34,33 +34,33 @@
   <p:notesSz cx="6858000" cy="9144000"/>
   <p:embeddedFontLst>
     <p:embeddedFont>
-      <p:font typeface="Lato Black" panose="020F0502020204030203" pitchFamily="34" charset="0"/>
-      <p:bold r:id="rId24"/>
-      <p:boldItalic r:id="rId25"/>
+      <p:font typeface="Calibri" panose="020F0502020204030204" pitchFamily="34" charset="0"/>
+      <p:regular r:id="rId24"/>
+      <p:bold r:id="rId25"/>
+      <p:italic r:id="rId26"/>
+      <p:boldItalic r:id="rId27"/>
     </p:embeddedFont>
     <p:embeddedFont>
-      <p:font typeface="Calibri" panose="020F0502020204030204" pitchFamily="34" charset="0"/>
-      <p:regular r:id="rId26"/>
-      <p:bold r:id="rId27"/>
-      <p:italic r:id="rId28"/>
-      <p:boldItalic r:id="rId29"/>
+      <p:font typeface="Montserrat" panose="020B0604020202020204" charset="0"/>
+      <p:regular r:id="rId28"/>
+      <p:bold r:id="rId29"/>
+      <p:italic r:id="rId30"/>
+      <p:boldItalic r:id="rId31"/>
     </p:embeddedFont>
     <p:embeddedFont>
       <p:font typeface="Lato" panose="020F0502020204030203" pitchFamily="34" charset="0"/>
-      <p:regular r:id="rId30"/>
-      <p:bold r:id="rId31"/>
-      <p:italic r:id="rId32"/>
-      <p:boldItalic r:id="rId33"/>
+      <p:regular r:id="rId32"/>
+      <p:bold r:id="rId33"/>
+      <p:italic r:id="rId34"/>
+      <p:boldItalic r:id="rId35"/>
+    </p:embeddedFont>
+    <p:embeddedFont>
+      <p:font typeface="Lato Black" panose="020F0502020204030203" pitchFamily="34" charset="0"/>
+      <p:bold r:id="rId36"/>
+      <p:boldItalic r:id="rId37"/>
     </p:embeddedFont>
     <p:embeddedFont>
       <p:font typeface="Montserrat Medium" panose="00000600000000000000" pitchFamily="50" charset="0"/>
-      <p:regular r:id="rId34"/>
-      <p:bold r:id="rId35"/>
-      <p:italic r:id="rId36"/>
-      <p:boldItalic r:id="rId37"/>
-    </p:embeddedFont>
-    <p:embeddedFont>
-      <p:font typeface="Montserrat" panose="020B0604020202020204" charset="0"/>
       <p:regular r:id="rId38"/>
       <p:bold r:id="rId39"/>
       <p:italic r:id="rId40"/>
@@ -312,7 +312,7 @@
       </p15:sldGuideLst>
     </p:ext>
     <p:ext uri="http://customooxmlschemas.google.com/">
-      <go:slidesCustomData xmlns:go="http://customooxmlschemas.google.com/" xmlns:ahyp="http://schemas.microsoft.com/office/drawing/2018/hyperlinkcolor" xmlns:p15="http://schemas.microsoft.com/office/powerpoint/2012/main" xmlns:p14="http://schemas.microsoft.com/office/powerpoint/2010/main" xmlns:com="http://schemas.openxmlformats.org/drawingml/2006/compatibility" xmlns:pvml="urn:schemas-microsoft-com:office:powerpoint" xmlns:v="urn:schemas-microsoft-com:vml" xmlns:o="urn:schemas-microsoft-com:office:office" xmlns:dgm="http://schemas.openxmlformats.org/drawingml/2006/diagram" xmlns:c="http://schemas.openxmlformats.org/drawingml/2006/chart" xmlns:mv="urn:schemas-microsoft-com:mac:vml" xmlns:mc="http://schemas.openxmlformats.org/markup-compatibility/2006" xmlns="" r:id="rId42" roundtripDataSignature="AMtx7mg0DqOpC3Sc24M9HFzYHTqw/OA6Eg=="/>
+      <go:slidesCustomData xmlns="" xmlns:mc="http://schemas.openxmlformats.org/markup-compatibility/2006" xmlns:mv="urn:schemas-microsoft-com:mac:vml" xmlns:c="http://schemas.openxmlformats.org/drawingml/2006/chart" xmlns:dgm="http://schemas.openxmlformats.org/drawingml/2006/diagram" xmlns:o="urn:schemas-microsoft-com:office:office" xmlns:v="urn:schemas-microsoft-com:vml" xmlns:pvml="urn:schemas-microsoft-com:office:powerpoint" xmlns:com="http://schemas.openxmlformats.org/drawingml/2006/compatibility" xmlns:p14="http://schemas.microsoft.com/office/powerpoint/2010/main" xmlns:p15="http://schemas.microsoft.com/office/powerpoint/2012/main" xmlns:ahyp="http://schemas.microsoft.com/office/drawing/2018/hyperlinkcolor" xmlns:go="http://customooxmlschemas.google.com/" r:id="rId42" roundtripDataSignature="AMtx7mg0DqOpC3Sc24M9HFzYHTqw/OA6Eg=="/>
     </p:ext>
   </p:extLst>
 </p:presentation>
@@ -17094,7 +17094,7 @@
                 <a:hlinkClick r:id="rId6">
                   <a:extLst>
                     <a:ext uri="{A12FA001-AC4F-418D-AE19-62706E023703}">
-                      <ahyp:hlinkClr xmlns:ahyp="http://schemas.microsoft.com/office/drawing/2018/hyperlinkcolor" xmlns:p15="http://schemas.microsoft.com/office/powerpoint/2012/main" xmlns:p14="http://schemas.microsoft.com/office/powerpoint/2010/main" xmlns:com="http://schemas.openxmlformats.org/drawingml/2006/compatibility" xmlns:pvml="urn:schemas-microsoft-com:office:powerpoint" xmlns:v="urn:schemas-microsoft-com:vml" xmlns:o="urn:schemas-microsoft-com:office:office" xmlns:dgm="http://schemas.openxmlformats.org/drawingml/2006/diagram" xmlns:c="http://schemas.openxmlformats.org/drawingml/2006/chart" xmlns:mv="urn:schemas-microsoft-com:mac:vml" xmlns:mc="http://schemas.openxmlformats.org/markup-compatibility/2006" xmlns="" val="tx"/>
+                      <ahyp:hlinkClr xmlns="" xmlns:mc="http://schemas.openxmlformats.org/markup-compatibility/2006" xmlns:mv="urn:schemas-microsoft-com:mac:vml" xmlns:c="http://schemas.openxmlformats.org/drawingml/2006/chart" xmlns:dgm="http://schemas.openxmlformats.org/drawingml/2006/diagram" xmlns:o="urn:schemas-microsoft-com:office:office" xmlns:v="urn:schemas-microsoft-com:vml" xmlns:pvml="urn:schemas-microsoft-com:office:powerpoint" xmlns:com="http://schemas.openxmlformats.org/drawingml/2006/compatibility" xmlns:p14="http://schemas.microsoft.com/office/powerpoint/2010/main" xmlns:p15="http://schemas.microsoft.com/office/powerpoint/2012/main" xmlns:ahyp="http://schemas.microsoft.com/office/drawing/2018/hyperlinkcolor" val="tx"/>
                     </a:ext>
                   </a:extLst>
                 </a:hlinkClick>
@@ -17277,7 +17277,7 @@
                 <a:hlinkClick r:id="rId7">
                   <a:extLst>
                     <a:ext uri="{A12FA001-AC4F-418D-AE19-62706E023703}">
-                      <ahyp:hlinkClr xmlns:ahyp="http://schemas.microsoft.com/office/drawing/2018/hyperlinkcolor" xmlns:p15="http://schemas.microsoft.com/office/powerpoint/2012/main" xmlns:p14="http://schemas.microsoft.com/office/powerpoint/2010/main" xmlns:com="http://schemas.openxmlformats.org/drawingml/2006/compatibility" xmlns:pvml="urn:schemas-microsoft-com:office:powerpoint" xmlns:v="urn:schemas-microsoft-com:vml" xmlns:o="urn:schemas-microsoft-com:office:office" xmlns:dgm="http://schemas.openxmlformats.org/drawingml/2006/diagram" xmlns:c="http://schemas.openxmlformats.org/drawingml/2006/chart" xmlns:mv="urn:schemas-microsoft-com:mac:vml" xmlns:mc="http://schemas.openxmlformats.org/markup-compatibility/2006" xmlns="" val="tx"/>
+                      <ahyp:hlinkClr xmlns="" xmlns:mc="http://schemas.openxmlformats.org/markup-compatibility/2006" xmlns:mv="urn:schemas-microsoft-com:mac:vml" xmlns:c="http://schemas.openxmlformats.org/drawingml/2006/chart" xmlns:dgm="http://schemas.openxmlformats.org/drawingml/2006/diagram" xmlns:o="urn:schemas-microsoft-com:office:office" xmlns:v="urn:schemas-microsoft-com:vml" xmlns:pvml="urn:schemas-microsoft-com:office:powerpoint" xmlns:com="http://schemas.openxmlformats.org/drawingml/2006/compatibility" xmlns:p14="http://schemas.microsoft.com/office/powerpoint/2010/main" xmlns:p15="http://schemas.microsoft.com/office/powerpoint/2012/main" xmlns:ahyp="http://schemas.microsoft.com/office/drawing/2018/hyperlinkcolor" val="tx"/>
                     </a:ext>
                   </a:extLst>
                 </a:hlinkClick>
@@ -17460,7 +17460,7 @@
                 <a:hlinkClick r:id="rId8">
                   <a:extLst>
                     <a:ext uri="{A12FA001-AC4F-418D-AE19-62706E023703}">
-                      <ahyp:hlinkClr xmlns:ahyp="http://schemas.microsoft.com/office/drawing/2018/hyperlinkcolor" xmlns:p15="http://schemas.microsoft.com/office/powerpoint/2012/main" xmlns:p14="http://schemas.microsoft.com/office/powerpoint/2010/main" xmlns:com="http://schemas.openxmlformats.org/drawingml/2006/compatibility" xmlns:pvml="urn:schemas-microsoft-com:office:powerpoint" xmlns:v="urn:schemas-microsoft-com:vml" xmlns:o="urn:schemas-microsoft-com:office:office" xmlns:dgm="http://schemas.openxmlformats.org/drawingml/2006/diagram" xmlns:c="http://schemas.openxmlformats.org/drawingml/2006/chart" xmlns:mv="urn:schemas-microsoft-com:mac:vml" xmlns:mc="http://schemas.openxmlformats.org/markup-compatibility/2006" xmlns="" val="tx"/>
+                      <ahyp:hlinkClr xmlns="" xmlns:mc="http://schemas.openxmlformats.org/markup-compatibility/2006" xmlns:mv="urn:schemas-microsoft-com:mac:vml" xmlns:c="http://schemas.openxmlformats.org/drawingml/2006/chart" xmlns:dgm="http://schemas.openxmlformats.org/drawingml/2006/diagram" xmlns:o="urn:schemas-microsoft-com:office:office" xmlns:v="urn:schemas-microsoft-com:vml" xmlns:pvml="urn:schemas-microsoft-com:office:powerpoint" xmlns:com="http://schemas.openxmlformats.org/drawingml/2006/compatibility" xmlns:p14="http://schemas.microsoft.com/office/powerpoint/2010/main" xmlns:p15="http://schemas.microsoft.com/office/powerpoint/2012/main" xmlns:ahyp="http://schemas.microsoft.com/office/drawing/2018/hyperlinkcolor" val="tx"/>
                     </a:ext>
                   </a:extLst>
                 </a:hlinkClick>
@@ -18160,7 +18160,7 @@
                 <a:hlinkClick r:id="rId6">
                   <a:extLst>
                     <a:ext uri="{A12FA001-AC4F-418D-AE19-62706E023703}">
-                      <ahyp:hlinkClr xmlns:ahyp="http://schemas.microsoft.com/office/drawing/2018/hyperlinkcolor" xmlns:p15="http://schemas.microsoft.com/office/powerpoint/2012/main" xmlns:p14="http://schemas.microsoft.com/office/powerpoint/2010/main" xmlns:com="http://schemas.openxmlformats.org/drawingml/2006/compatibility" xmlns:pvml="urn:schemas-microsoft-com:office:powerpoint" xmlns:v="urn:schemas-microsoft-com:vml" xmlns:o="urn:schemas-microsoft-com:office:office" xmlns:dgm="http://schemas.openxmlformats.org/drawingml/2006/diagram" xmlns:c="http://schemas.openxmlformats.org/drawingml/2006/chart" xmlns:mv="urn:schemas-microsoft-com:mac:vml" xmlns:mc="http://schemas.openxmlformats.org/markup-compatibility/2006" xmlns="" val="tx"/>
+                      <ahyp:hlinkClr xmlns="" xmlns:mc="http://schemas.openxmlformats.org/markup-compatibility/2006" xmlns:mv="urn:schemas-microsoft-com:mac:vml" xmlns:c="http://schemas.openxmlformats.org/drawingml/2006/chart" xmlns:dgm="http://schemas.openxmlformats.org/drawingml/2006/diagram" xmlns:o="urn:schemas-microsoft-com:office:office" xmlns:v="urn:schemas-microsoft-com:vml" xmlns:pvml="urn:schemas-microsoft-com:office:powerpoint" xmlns:com="http://schemas.openxmlformats.org/drawingml/2006/compatibility" xmlns:p14="http://schemas.microsoft.com/office/powerpoint/2010/main" xmlns:p15="http://schemas.microsoft.com/office/powerpoint/2012/main" xmlns:ahyp="http://schemas.microsoft.com/office/drawing/2018/hyperlinkcolor" val="tx"/>
                     </a:ext>
                   </a:extLst>
                 </a:hlinkClick>
@@ -19682,7 +19682,7 @@
                 <a:hlinkClick r:id="rId5">
                   <a:extLst>
                     <a:ext uri="{A12FA001-AC4F-418D-AE19-62706E023703}">
-                      <ahyp:hlinkClr xmlns:ahyp="http://schemas.microsoft.com/office/drawing/2018/hyperlinkcolor" xmlns:p15="http://schemas.microsoft.com/office/powerpoint/2012/main" xmlns:p14="http://schemas.microsoft.com/office/powerpoint/2010/main" xmlns:com="http://schemas.openxmlformats.org/drawingml/2006/compatibility" xmlns:pvml="urn:schemas-microsoft-com:office:powerpoint" xmlns:v="urn:schemas-microsoft-com:vml" xmlns:o="urn:schemas-microsoft-com:office:office" xmlns:dgm="http://schemas.openxmlformats.org/drawingml/2006/diagram" xmlns:c="http://schemas.openxmlformats.org/drawingml/2006/chart" xmlns:mv="urn:schemas-microsoft-com:mac:vml" xmlns:mc="http://schemas.openxmlformats.org/markup-compatibility/2006" xmlns="" val="tx"/>
+                      <ahyp:hlinkClr xmlns="" xmlns:mc="http://schemas.openxmlformats.org/markup-compatibility/2006" xmlns:mv="urn:schemas-microsoft-com:mac:vml" xmlns:c="http://schemas.openxmlformats.org/drawingml/2006/chart" xmlns:dgm="http://schemas.openxmlformats.org/drawingml/2006/diagram" xmlns:o="urn:schemas-microsoft-com:office:office" xmlns:v="urn:schemas-microsoft-com:vml" xmlns:pvml="urn:schemas-microsoft-com:office:powerpoint" xmlns:com="http://schemas.openxmlformats.org/drawingml/2006/compatibility" xmlns:p14="http://schemas.microsoft.com/office/powerpoint/2010/main" xmlns:p15="http://schemas.microsoft.com/office/powerpoint/2012/main" xmlns:ahyp="http://schemas.microsoft.com/office/drawing/2018/hyperlinkcolor" val="tx"/>
                     </a:ext>
                   </a:extLst>
                 </a:hlinkClick>
@@ -20786,7 +20786,7 @@
               <a:buNone/>
             </a:pPr>
             <a:r>
-              <a:rPr lang="es-ES" sz="3000" b="0" i="0" u="none" strike="noStrike" cap="none">
+              <a:rPr lang="es-ES" sz="3000" b="0" i="0" u="none" strike="noStrike" cap="none" dirty="0">
                 <a:solidFill>
                   <a:schemeClr val="lt1"/>
                 </a:solidFill>
@@ -20797,7 +20797,7 @@
               </a:rPr>
               <a:t>FASE 1</a:t>
             </a:r>
-            <a:endParaRPr sz="3000" b="0" i="0" u="none" strike="noStrike" cap="none">
+            <a:endParaRPr sz="3000" b="0" i="0" u="none" strike="noStrike" cap="none" dirty="0">
               <a:solidFill>
                 <a:schemeClr val="lt1"/>
               </a:solidFill>
@@ -20912,20 +20912,9 @@
           </a:bodyPr>
           <a:lstStyle/>
           <a:p>
-            <a:pPr marL="0" marR="0" lvl="0" indent="0" algn="l" rtl="0">
-              <a:lnSpc>
-                <a:spcPct val="100000"/>
-              </a:lnSpc>
-              <a:spcBef>
-                <a:spcPts val="0"/>
-              </a:spcBef>
-              <a:spcAft>
-                <a:spcPts val="0"/>
-              </a:spcAft>
-              <a:buNone/>
-            </a:pPr>
+            <a:pPr lvl="0"/>
             <a:r>
-              <a:rPr lang="es-ES" sz="2400" b="0" i="0" u="none" strike="noStrike" cap="none">
+              <a:rPr lang="es-ES" sz="2400" dirty="0">
                 <a:solidFill>
                   <a:srgbClr val="00426E"/>
                 </a:solidFill>
@@ -20934,17 +20923,8 @@
                 <a:cs typeface="Lato Black"/>
                 <a:sym typeface="Lato Black"/>
               </a:rPr>
-              <a:t>A little context...</a:t>
+              <a:t>FASE 1</a:t>
             </a:r>
-            <a:endParaRPr sz="2400" b="0" i="0" u="none" strike="noStrike" cap="none">
-              <a:solidFill>
-                <a:srgbClr val="00426E"/>
-              </a:solidFill>
-              <a:latin typeface="Lato Black"/>
-              <a:ea typeface="Lato Black"/>
-              <a:cs typeface="Lato Black"/>
-              <a:sym typeface="Lato Black"/>
-            </a:endParaRPr>
           </a:p>
           <a:p>
             <a:pPr marL="0" marR="0" lvl="0" indent="0" algn="l" rtl="0">
@@ -20964,7 +20944,7 @@
               <a:buFont typeface="Helvetica Neue"/>
               <a:buNone/>
             </a:pPr>
-            <a:endParaRPr sz="2400" b="0" i="0" u="none" strike="noStrike" cap="none">
+            <a:endParaRPr sz="2400" b="0" i="0" u="none" strike="noStrike" cap="none" dirty="0">
               <a:solidFill>
                 <a:srgbClr val="00426E"/>
               </a:solidFill>
@@ -21011,8 +20991,8 @@
         </p:nvSpPr>
         <p:spPr>
           <a:xfrm>
-            <a:off x="541097" y="945928"/>
-            <a:ext cx="8043333" cy="3600986"/>
+            <a:off x="623710" y="2402196"/>
+            <a:ext cx="8043333" cy="1938992"/>
           </a:xfrm>
           <a:prstGeom prst="rect">
             <a:avLst/>
@@ -21030,7 +21010,7 @@
               </a:lnSpc>
             </a:pPr>
             <a:r>
-              <a:rPr lang="es-ES" sz="1900" dirty="0">
+              <a:rPr lang="es-ES" sz="1600" dirty="0">
                 <a:solidFill>
                   <a:srgbClr val="00426E"/>
                 </a:solidFill>
@@ -21041,7 +21021,7 @@
               <a:t>El funcionamiento de un </a:t>
             </a:r>
             <a:r>
-              <a:rPr lang="es-ES" sz="1900" dirty="0" err="1">
+              <a:rPr lang="es-ES" sz="1600" dirty="0" err="1">
                 <a:solidFill>
                   <a:srgbClr val="00426E"/>
                 </a:solidFill>
@@ -21052,7 +21032,7 @@
               <a:t>bot</a:t>
             </a:r>
             <a:r>
-              <a:rPr lang="es-ES" sz="1900" dirty="0">
+              <a:rPr lang="es-ES" sz="1600" dirty="0">
                 <a:solidFill>
                   <a:srgbClr val="00426E"/>
                 </a:solidFill>
@@ -21060,10 +21040,32 @@
                 <a:ea typeface="Lato"/>
                 <a:cs typeface="Lato"/>
               </a:rPr>
-              <a:t> elaborado con Rasa o </a:t>
+              <a:t> elaborado con </a:t>
             </a:r>
             <a:r>
-              <a:rPr lang="es-ES" sz="1900" dirty="0" err="1">
+              <a:rPr lang="es-ES" sz="1600" b="1" dirty="0" smtClean="0">
+                <a:solidFill>
+                  <a:srgbClr val="00426E"/>
+                </a:solidFill>
+                <a:latin typeface="Lato"/>
+                <a:ea typeface="Lato"/>
+                <a:cs typeface="Lato"/>
+              </a:rPr>
+              <a:t>Rasa</a:t>
+            </a:r>
+            <a:r>
+              <a:rPr lang="es-ES" sz="1600" dirty="0" smtClean="0">
+                <a:solidFill>
+                  <a:srgbClr val="00426E"/>
+                </a:solidFill>
+                <a:latin typeface="Lato"/>
+                <a:ea typeface="Lato"/>
+                <a:cs typeface="Lato"/>
+              </a:rPr>
+              <a:t> o </a:t>
+            </a:r>
+            <a:r>
+              <a:rPr lang="es-ES" sz="1600" b="1" dirty="0" err="1" smtClean="0">
                 <a:solidFill>
                   <a:srgbClr val="00426E"/>
                 </a:solidFill>
@@ -21074,7 +21076,7 @@
               <a:t>Dialogflow</a:t>
             </a:r>
             <a:r>
-              <a:rPr lang="es-ES" sz="1900" dirty="0">
+              <a:rPr lang="es-ES" sz="1600" b="1" dirty="0" smtClean="0">
                 <a:solidFill>
                   <a:srgbClr val="00426E"/>
                 </a:solidFill>
@@ -21082,10 +21084,32 @@
                 <a:ea typeface="Lato"/>
                 <a:cs typeface="Lato"/>
               </a:rPr>
-              <a:t> es el siguiente</a:t>
+              <a:t> </a:t>
             </a:r>
             <a:r>
-              <a:rPr lang="es-ES" sz="1900" dirty="0" smtClean="0">
+              <a:rPr lang="es-ES" sz="1600" dirty="0" smtClean="0">
+                <a:solidFill>
+                  <a:srgbClr val="00426E"/>
+                </a:solidFill>
+                <a:latin typeface="Lato"/>
+                <a:ea typeface="Lato"/>
+                <a:cs typeface="Lato"/>
+              </a:rPr>
+              <a:t>es </a:t>
+            </a:r>
+            <a:r>
+              <a:rPr lang="es-ES" sz="1600" dirty="0">
+                <a:solidFill>
+                  <a:srgbClr val="00426E"/>
+                </a:solidFill>
+                <a:latin typeface="Lato"/>
+                <a:ea typeface="Lato"/>
+                <a:cs typeface="Lato"/>
+              </a:rPr>
+              <a:t>el siguiente</a:t>
+            </a:r>
+            <a:r>
+              <a:rPr lang="es-ES" sz="1600" dirty="0" smtClean="0">
                 <a:solidFill>
                   <a:srgbClr val="00426E"/>
                 </a:solidFill>
@@ -21095,7 +21119,7 @@
               </a:rPr>
               <a:t>:</a:t>
             </a:r>
-            <a:endParaRPr lang="es-PE" sz="1900" dirty="0">
+            <a:endParaRPr lang="es-PE" sz="1600" dirty="0">
               <a:solidFill>
                 <a:srgbClr val="00426E"/>
               </a:solidFill>
@@ -21116,7 +21140,7 @@
               </a:tabLst>
             </a:pPr>
             <a:r>
-              <a:rPr lang="es-ES" sz="1900" dirty="0">
+              <a:rPr lang="es-ES" sz="1600" dirty="0">
                 <a:solidFill>
                   <a:srgbClr val="00426E"/>
                 </a:solidFill>
@@ -21124,9 +21148,20 @@
                 <a:ea typeface="Lato"/>
                 <a:cs typeface="Lato"/>
               </a:rPr>
-              <a:t>El usuario introduce un texto.</a:t>
+              <a:t>El usuario introduce un texto</a:t>
             </a:r>
-            <a:endParaRPr lang="es-PE" sz="1900" dirty="0">
+            <a:r>
+              <a:rPr lang="es-ES" sz="1600" dirty="0" smtClean="0">
+                <a:solidFill>
+                  <a:srgbClr val="00426E"/>
+                </a:solidFill>
+                <a:latin typeface="Lato"/>
+                <a:ea typeface="Lato"/>
+                <a:cs typeface="Lato"/>
+              </a:rPr>
+              <a:t>.</a:t>
+            </a:r>
+            <a:endParaRPr lang="es-PE" sz="1600" dirty="0">
               <a:solidFill>
                 <a:srgbClr val="00426E"/>
               </a:solidFill>
@@ -21147,7 +21182,7 @@
               </a:tabLst>
             </a:pPr>
             <a:r>
-              <a:rPr lang="es-ES" sz="1900" dirty="0">
+              <a:rPr lang="es-ES" sz="1600" dirty="0">
                 <a:solidFill>
                   <a:srgbClr val="00426E"/>
                 </a:solidFill>
@@ -21158,7 +21193,7 @@
               <a:t>El </a:t>
             </a:r>
             <a:r>
-              <a:rPr lang="es-ES" sz="1900" dirty="0" err="1">
+              <a:rPr lang="es-ES" sz="1600" dirty="0" err="1">
                 <a:solidFill>
                   <a:srgbClr val="00426E"/>
                 </a:solidFill>
@@ -21169,7 +21204,7 @@
               <a:t>bot</a:t>
             </a:r>
             <a:r>
-              <a:rPr lang="es-ES" sz="1900" dirty="0">
+              <a:rPr lang="es-ES" sz="1600" dirty="0">
                 <a:solidFill>
                   <a:srgbClr val="00426E"/>
                 </a:solidFill>
@@ -21179,7 +21214,7 @@
               </a:rPr>
               <a:t> clasifica el texto asociándolo a alguna de las intenciones que éste reconoce.</a:t>
             </a:r>
-            <a:endParaRPr lang="es-PE" sz="1900" dirty="0">
+            <a:endParaRPr lang="es-PE" sz="1600" dirty="0">
               <a:solidFill>
                 <a:srgbClr val="00426E"/>
               </a:solidFill>
@@ -21200,7 +21235,7 @@
               </a:tabLst>
             </a:pPr>
             <a:r>
-              <a:rPr lang="es-ES" sz="1900" dirty="0">
+              <a:rPr lang="es-ES" sz="1600" dirty="0">
                 <a:solidFill>
                   <a:srgbClr val="00426E"/>
                 </a:solidFill>
@@ -21210,7 +21245,7 @@
               </a:rPr>
               <a:t>Una vez que se sabe cuál es la intención del usuario, se ejecuta una acción.</a:t>
             </a:r>
-            <a:endParaRPr lang="es-PE" sz="1900" dirty="0">
+            <a:endParaRPr lang="es-PE" sz="1600" dirty="0">
               <a:solidFill>
                 <a:srgbClr val="00426E"/>
               </a:solidFill>
@@ -21231,7 +21266,7 @@
               </a:tabLst>
             </a:pPr>
             <a:r>
-              <a:rPr lang="es-ES" sz="1900" dirty="0">
+              <a:rPr lang="es-ES" sz="1600" dirty="0">
                 <a:solidFill>
                   <a:srgbClr val="00426E"/>
                 </a:solidFill>
@@ -21242,7 +21277,7 @@
               <a:t>Si fuese necesario, el </a:t>
             </a:r>
             <a:r>
-              <a:rPr lang="es-ES" sz="1900" dirty="0" err="1">
+              <a:rPr lang="es-ES" sz="1600" dirty="0" err="1">
                 <a:solidFill>
                   <a:srgbClr val="00426E"/>
                 </a:solidFill>
@@ -21253,7 +21288,7 @@
               <a:t>bot</a:t>
             </a:r>
             <a:r>
-              <a:rPr lang="es-ES" sz="1900" dirty="0">
+              <a:rPr lang="es-ES" sz="1600" dirty="0">
                 <a:solidFill>
                   <a:srgbClr val="00426E"/>
                 </a:solidFill>
@@ -21263,7 +21298,7 @@
               </a:rPr>
               <a:t> pediría información adicional al usuario.</a:t>
             </a:r>
-            <a:endParaRPr lang="es-PE" sz="1900" dirty="0">
+            <a:endParaRPr lang="es-PE" sz="1600" dirty="0">
               <a:solidFill>
                 <a:srgbClr val="00426E"/>
               </a:solidFill>
@@ -21271,6 +21306,203 @@
               <a:ea typeface="Lato"/>
               <a:cs typeface="Lato"/>
             </a:endParaRPr>
+          </a:p>
+        </p:txBody>
+      </p:sp>
+      <p:sp>
+        <p:nvSpPr>
+          <p:cNvPr id="2" name="Rectángulo 1"/>
+          <p:cNvSpPr/>
+          <p:nvPr/>
+        </p:nvSpPr>
+        <p:spPr>
+          <a:xfrm>
+            <a:off x="1444978" y="1504586"/>
+            <a:ext cx="1467555" cy="302405"/>
+          </a:xfrm>
+          <a:prstGeom prst="rect">
+            <a:avLst/>
+          </a:prstGeom>
+          <a:solidFill>
+            <a:schemeClr val="bg1"/>
+          </a:solidFill>
+          <a:ln>
+            <a:solidFill>
+              <a:schemeClr val="accent1">
+                <a:lumMod val="60000"/>
+                <a:lumOff val="40000"/>
+              </a:schemeClr>
+            </a:solidFill>
+          </a:ln>
+        </p:spPr>
+        <p:style>
+          <a:lnRef idx="2">
+            <a:schemeClr val="accent1">
+              <a:shade val="50000"/>
+            </a:schemeClr>
+          </a:lnRef>
+          <a:fillRef idx="1">
+            <a:schemeClr val="accent1"/>
+          </a:fillRef>
+          <a:effectRef idx="0">
+            <a:schemeClr val="accent1"/>
+          </a:effectRef>
+          <a:fontRef idx="minor">
+            <a:schemeClr val="lt1"/>
+          </a:fontRef>
+        </p:style>
+        <p:txBody>
+          <a:bodyPr rtlCol="0" anchor="ctr"/>
+          <a:lstStyle/>
+          <a:p>
+            <a:pPr algn="ctr"/>
+            <a:r>
+              <a:rPr lang="es-ES" sz="1600" b="1">
+                <a:solidFill>
+                  <a:srgbClr val="00426E"/>
+                </a:solidFill>
+                <a:latin typeface="Lato"/>
+                <a:ea typeface="Lato"/>
+                <a:cs typeface="Lato"/>
+              </a:rPr>
+              <a:t>Rasa</a:t>
+            </a:r>
+            <a:endParaRPr lang="es-PE" sz="1600" b="1"/>
+          </a:p>
+        </p:txBody>
+      </p:sp>
+      <p:sp>
+        <p:nvSpPr>
+          <p:cNvPr id="7" name="Rectángulo 6"/>
+          <p:cNvSpPr/>
+          <p:nvPr/>
+        </p:nvSpPr>
+        <p:spPr>
+          <a:xfrm>
+            <a:off x="3177822" y="1505040"/>
+            <a:ext cx="1467555" cy="302405"/>
+          </a:xfrm>
+          <a:prstGeom prst="rect">
+            <a:avLst/>
+          </a:prstGeom>
+          <a:solidFill>
+            <a:schemeClr val="bg1"/>
+          </a:solidFill>
+          <a:ln>
+            <a:solidFill>
+              <a:schemeClr val="accent1">
+                <a:lumMod val="60000"/>
+                <a:lumOff val="40000"/>
+              </a:schemeClr>
+            </a:solidFill>
+          </a:ln>
+        </p:spPr>
+        <p:style>
+          <a:lnRef idx="2">
+            <a:schemeClr val="accent1">
+              <a:shade val="50000"/>
+            </a:schemeClr>
+          </a:lnRef>
+          <a:fillRef idx="1">
+            <a:schemeClr val="accent1"/>
+          </a:fillRef>
+          <a:effectRef idx="0">
+            <a:schemeClr val="accent1"/>
+          </a:effectRef>
+          <a:fontRef idx="minor">
+            <a:schemeClr val="lt1"/>
+          </a:fontRef>
+        </p:style>
+        <p:txBody>
+          <a:bodyPr rtlCol="0" anchor="ctr"/>
+          <a:lstStyle/>
+          <a:p>
+            <a:pPr algn="ctr"/>
+            <a:r>
+              <a:rPr lang="es-ES" sz="1600" b="1" dirty="0" err="1">
+                <a:solidFill>
+                  <a:srgbClr val="00426E"/>
+                </a:solidFill>
+                <a:latin typeface="Lato"/>
+                <a:ea typeface="Lato"/>
+                <a:cs typeface="Lato"/>
+              </a:rPr>
+              <a:t>Dialogflow</a:t>
+            </a:r>
+            <a:endParaRPr lang="es-PE" sz="1600" b="1" dirty="0"/>
+          </a:p>
+        </p:txBody>
+      </p:sp>
+      <p:sp>
+        <p:nvSpPr>
+          <p:cNvPr id="8" name="Rectángulo 7"/>
+          <p:cNvSpPr/>
+          <p:nvPr/>
+        </p:nvSpPr>
+        <p:spPr>
+          <a:xfrm>
+            <a:off x="4910666" y="1527220"/>
+            <a:ext cx="1467555" cy="302405"/>
+          </a:xfrm>
+          <a:prstGeom prst="rect">
+            <a:avLst/>
+          </a:prstGeom>
+          <a:solidFill>
+            <a:schemeClr val="bg1"/>
+          </a:solidFill>
+          <a:ln>
+            <a:solidFill>
+              <a:schemeClr val="accent1">
+                <a:lumMod val="60000"/>
+                <a:lumOff val="40000"/>
+              </a:schemeClr>
+            </a:solidFill>
+          </a:ln>
+        </p:spPr>
+        <p:style>
+          <a:lnRef idx="2">
+            <a:schemeClr val="accent1">
+              <a:shade val="50000"/>
+            </a:schemeClr>
+          </a:lnRef>
+          <a:fillRef idx="1">
+            <a:schemeClr val="accent1"/>
+          </a:fillRef>
+          <a:effectRef idx="0">
+            <a:schemeClr val="accent1"/>
+          </a:effectRef>
+          <a:fontRef idx="minor">
+            <a:schemeClr val="lt1"/>
+          </a:fontRef>
+        </p:style>
+        <p:txBody>
+          <a:bodyPr rtlCol="0" anchor="ctr"/>
+          <a:lstStyle/>
+          <a:p>
+            <a:pPr algn="ctr"/>
+            <a:r>
+              <a:rPr lang="es-ES" sz="1600" b="1" dirty="0" err="1">
+                <a:solidFill>
+                  <a:srgbClr val="00426E"/>
+                </a:solidFill>
+                <a:latin typeface="Lato"/>
+                <a:ea typeface="Lato"/>
+                <a:cs typeface="Lato"/>
+              </a:rPr>
+              <a:t>HuggingFace</a:t>
+            </a:r>
+            <a:r>
+              <a:rPr lang="es-ES" sz="1600" b="1" dirty="0">
+                <a:solidFill>
+                  <a:srgbClr val="00426E"/>
+                </a:solidFill>
+                <a:latin typeface="Lato"/>
+                <a:ea typeface="Lato"/>
+                <a:cs typeface="Lato"/>
+              </a:rPr>
+              <a:t> </a:t>
+            </a:r>
+            <a:endParaRPr lang="es-PE" sz="1600" b="1" dirty="0"/>
           </a:p>
         </p:txBody>
       </p:sp>
@@ -21355,20 +21587,9 @@
           </a:bodyPr>
           <a:lstStyle/>
           <a:p>
-            <a:pPr marL="0" marR="0" lvl="0" indent="0" algn="l" rtl="0">
-              <a:lnSpc>
-                <a:spcPct val="100000"/>
-              </a:lnSpc>
-              <a:spcBef>
-                <a:spcPts val="0"/>
-              </a:spcBef>
-              <a:spcAft>
-                <a:spcPts val="0"/>
-              </a:spcAft>
-              <a:buNone/>
-            </a:pPr>
+            <a:pPr lvl="0"/>
             <a:r>
-              <a:rPr lang="es-ES" sz="2400" b="0" i="0" u="none" strike="noStrike" cap="none">
+              <a:rPr lang="es-ES" sz="2400" dirty="0" smtClean="0">
                 <a:solidFill>
                   <a:srgbClr val="00426E"/>
                 </a:solidFill>
@@ -21377,37 +21598,45 @@
                 <a:cs typeface="Lato Black"/>
                 <a:sym typeface="Lato Black"/>
               </a:rPr>
-              <a:t>A little context...</a:t>
+              <a:t>Modelos </a:t>
             </a:r>
-            <a:endParaRPr sz="2400" b="0" i="0" u="none" strike="noStrike" cap="none">
-              <a:solidFill>
-                <a:srgbClr val="00426E"/>
-              </a:solidFill>
-              <a:latin typeface="Lato Black"/>
-              <a:ea typeface="Lato Black"/>
-              <a:cs typeface="Lato Black"/>
-              <a:sym typeface="Lato Black"/>
-            </a:endParaRPr>
-          </a:p>
-          <a:p>
-            <a:pPr marL="0" marR="0" lvl="0" indent="0" algn="l" rtl="0">
-              <a:lnSpc>
-                <a:spcPct val="100000"/>
-              </a:lnSpc>
-              <a:spcBef>
-                <a:spcPts val="0"/>
-              </a:spcBef>
-              <a:spcAft>
-                <a:spcPts val="0"/>
-              </a:spcAft>
-              <a:buClr>
-                <a:srgbClr val="FFFFFF"/>
-              </a:buClr>
-              <a:buSzPts val="2600"/>
-              <a:buFont typeface="Helvetica Neue"/>
-              <a:buNone/>
-            </a:pPr>
-            <a:endParaRPr sz="2400" b="0" i="0" u="none" strike="noStrike" cap="none">
+            <a:r>
+              <a:rPr lang="es-ES" sz="2400" dirty="0" err="1" smtClean="0">
+                <a:solidFill>
+                  <a:srgbClr val="00426E"/>
+                </a:solidFill>
+                <a:latin typeface="Lato Black"/>
+                <a:ea typeface="Lato Black"/>
+                <a:cs typeface="Lato Black"/>
+                <a:sym typeface="Lato Black"/>
+              </a:rPr>
+              <a:t>Question</a:t>
+            </a:r>
+            <a:r>
+              <a:rPr lang="es-ES" sz="2400" dirty="0" smtClean="0">
+                <a:solidFill>
+                  <a:srgbClr val="00426E"/>
+                </a:solidFill>
+                <a:latin typeface="Lato Black"/>
+                <a:ea typeface="Lato Black"/>
+                <a:cs typeface="Lato Black"/>
+                <a:sym typeface="Lato Black"/>
+              </a:rPr>
+              <a:t> </a:t>
+            </a:r>
+            <a:r>
+              <a:rPr lang="es-ES" sz="2400" dirty="0" err="1">
+                <a:solidFill>
+                  <a:srgbClr val="00426E"/>
+                </a:solidFill>
+                <a:latin typeface="Lato Black"/>
+                <a:ea typeface="Lato Black"/>
+                <a:cs typeface="Lato Black"/>
+                <a:sym typeface="Lato Black"/>
+              </a:rPr>
+              <a:t>Answering</a:t>
+            </a:r>
+            <a:endParaRPr sz="2400" b="0" i="0" u="none" strike="noStrike" cap="none" dirty="0">
               <a:solidFill>
                 <a:srgbClr val="00426E"/>
               </a:solidFill>
@@ -21460,14 +21689,71 @@
         </p:blipFill>
         <p:spPr bwMode="auto">
           <a:xfrm>
-            <a:off x="907979" y="1306512"/>
-            <a:ext cx="7211931" cy="2983266"/>
+            <a:off x="896690" y="1261356"/>
+            <a:ext cx="7524821" cy="3186466"/>
           </a:xfrm>
           <a:prstGeom prst="rect">
             <a:avLst/>
           </a:prstGeom>
         </p:spPr>
       </p:pic>
+      <p:sp>
+        <p:nvSpPr>
+          <p:cNvPr id="6" name="5 Rectángulo redondeado"/>
+          <p:cNvSpPr/>
+          <p:nvPr/>
+        </p:nvSpPr>
+        <p:spPr>
+          <a:xfrm>
+            <a:off x="5260077" y="2417515"/>
+            <a:ext cx="3161434" cy="1759374"/>
+          </a:xfrm>
+          <a:prstGeom prst="roundRect">
+            <a:avLst>
+              <a:gd name="adj" fmla="val 16667"/>
+            </a:avLst>
+          </a:prstGeom>
+          <a:solidFill>
+            <a:srgbClr val="C3D69B">
+              <a:alpha val="10000"/>
+            </a:srgbClr>
+          </a:solidFill>
+          <a:ln w="28575">
+            <a:solidFill>
+              <a:srgbClr val="9BBB59">
+                <a:lumMod val="75000"/>
+              </a:srgbClr>
+            </a:solidFill>
+            <a:round/>
+          </a:ln>
+          <a:effectLst>
+            <a:outerShdw blurRad="39960" dist="23040" dir="5400000" rotWithShape="0">
+              <a:srgbClr val="000000">
+                <a:alpha val="35000"/>
+              </a:srgbClr>
+            </a:outerShdw>
+          </a:effectLst>
+        </p:spPr>
+        <p:style>
+          <a:lnRef idx="1">
+            <a:schemeClr val="accent1"/>
+          </a:lnRef>
+          <a:fillRef idx="3">
+            <a:schemeClr val="accent1"/>
+          </a:fillRef>
+          <a:effectRef idx="2">
+            <a:schemeClr val="accent1"/>
+          </a:effectRef>
+          <a:fontRef idx="minor"/>
+        </p:style>
+        <p:txBody>
+          <a:bodyPr/>
+          <a:lstStyle/>
+          <a:p>
+            <a:endParaRPr lang="es-PE"/>
+          </a:p>
+        </p:txBody>
+      </p:sp>
     </p:spTree>
   </p:cSld>
   <p:clrMapOvr>

--- a/doc/06_02 Template_ppt_sesion_Chatbot_para_refugiados.pptx
+++ b/doc/06_02 Template_ppt_sesion_Chatbot_para_refugiados.pptx
@@ -34,33 +34,33 @@
   <p:notesSz cx="6858000" cy="9144000"/>
   <p:embeddedFontLst>
     <p:embeddedFont>
-      <p:font typeface="Calibri" panose="020F0502020204030204" pitchFamily="34" charset="0"/>
+      <p:font typeface="Montserrat Medium" panose="00000600000000000000" pitchFamily="50" charset="0"/>
       <p:regular r:id="rId24"/>
       <p:bold r:id="rId25"/>
       <p:italic r:id="rId26"/>
       <p:boldItalic r:id="rId27"/>
     </p:embeddedFont>
     <p:embeddedFont>
-      <p:font typeface="Montserrat" panose="020B0604020202020204" charset="0"/>
+      <p:font typeface="Calibri" panose="020F0502020204030204" pitchFamily="34" charset="0"/>
       <p:regular r:id="rId28"/>
       <p:bold r:id="rId29"/>
       <p:italic r:id="rId30"/>
       <p:boldItalic r:id="rId31"/>
     </p:embeddedFont>
     <p:embeddedFont>
-      <p:font typeface="Lato" panose="020F0502020204030203" pitchFamily="34" charset="0"/>
-      <p:regular r:id="rId32"/>
-      <p:bold r:id="rId33"/>
-      <p:italic r:id="rId34"/>
-      <p:boldItalic r:id="rId35"/>
+      <p:font typeface="Lato Black" panose="020F0502020204030203" pitchFamily="34" charset="0"/>
+      <p:bold r:id="rId32"/>
+      <p:boldItalic r:id="rId33"/>
     </p:embeddedFont>
     <p:embeddedFont>
-      <p:font typeface="Lato Black" panose="020F0502020204030203" pitchFamily="34" charset="0"/>
-      <p:bold r:id="rId36"/>
+      <p:font typeface="Lato" panose="020F0502020204030203" pitchFamily="34" charset="0"/>
+      <p:regular r:id="rId34"/>
+      <p:bold r:id="rId35"/>
+      <p:italic r:id="rId36"/>
       <p:boldItalic r:id="rId37"/>
     </p:embeddedFont>
     <p:embeddedFont>
-      <p:font typeface="Montserrat Medium" panose="00000600000000000000" pitchFamily="50" charset="0"/>
+      <p:font typeface="Montserrat" panose="020B0604020202020204" charset="0"/>
       <p:regular r:id="rId38"/>
       <p:bold r:id="rId39"/>
       <p:italic r:id="rId40"/>
@@ -312,7 +312,7 @@
       </p15:sldGuideLst>
     </p:ext>
     <p:ext uri="http://customooxmlschemas.google.com/">
-      <go:slidesCustomData xmlns="" xmlns:mc="http://schemas.openxmlformats.org/markup-compatibility/2006" xmlns:mv="urn:schemas-microsoft-com:mac:vml" xmlns:c="http://schemas.openxmlformats.org/drawingml/2006/chart" xmlns:dgm="http://schemas.openxmlformats.org/drawingml/2006/diagram" xmlns:o="urn:schemas-microsoft-com:office:office" xmlns:v="urn:schemas-microsoft-com:vml" xmlns:pvml="urn:schemas-microsoft-com:office:powerpoint" xmlns:com="http://schemas.openxmlformats.org/drawingml/2006/compatibility" xmlns:p14="http://schemas.microsoft.com/office/powerpoint/2010/main" xmlns:p15="http://schemas.microsoft.com/office/powerpoint/2012/main" xmlns:ahyp="http://schemas.microsoft.com/office/drawing/2018/hyperlinkcolor" xmlns:go="http://customooxmlschemas.google.com/" r:id="rId42" roundtripDataSignature="AMtx7mg0DqOpC3Sc24M9HFzYHTqw/OA6Eg=="/>
+      <go:slidesCustomData xmlns:go="http://customooxmlschemas.google.com/" xmlns:ahyp="http://schemas.microsoft.com/office/drawing/2018/hyperlinkcolor" xmlns:p15="http://schemas.microsoft.com/office/powerpoint/2012/main" xmlns:p14="http://schemas.microsoft.com/office/powerpoint/2010/main" xmlns:com="http://schemas.openxmlformats.org/drawingml/2006/compatibility" xmlns:pvml="urn:schemas-microsoft-com:office:powerpoint" xmlns:v="urn:schemas-microsoft-com:vml" xmlns:o="urn:schemas-microsoft-com:office:office" xmlns:dgm="http://schemas.openxmlformats.org/drawingml/2006/diagram" xmlns:c="http://schemas.openxmlformats.org/drawingml/2006/chart" xmlns:mv="urn:schemas-microsoft-com:mac:vml" xmlns:mc="http://schemas.openxmlformats.org/markup-compatibility/2006" xmlns="" r:id="rId42" roundtripDataSignature="AMtx7mg0DqOpC3Sc24M9HFzYHTqw/OA6Eg=="/>
     </p:ext>
   </p:extLst>
 </p:presentation>
@@ -17094,7 +17094,7 @@
                 <a:hlinkClick r:id="rId6">
                   <a:extLst>
                     <a:ext uri="{A12FA001-AC4F-418D-AE19-62706E023703}">
-                      <ahyp:hlinkClr xmlns="" xmlns:mc="http://schemas.openxmlformats.org/markup-compatibility/2006" xmlns:mv="urn:schemas-microsoft-com:mac:vml" xmlns:c="http://schemas.openxmlformats.org/drawingml/2006/chart" xmlns:dgm="http://schemas.openxmlformats.org/drawingml/2006/diagram" xmlns:o="urn:schemas-microsoft-com:office:office" xmlns:v="urn:schemas-microsoft-com:vml" xmlns:pvml="urn:schemas-microsoft-com:office:powerpoint" xmlns:com="http://schemas.openxmlformats.org/drawingml/2006/compatibility" xmlns:p14="http://schemas.microsoft.com/office/powerpoint/2010/main" xmlns:p15="http://schemas.microsoft.com/office/powerpoint/2012/main" xmlns:ahyp="http://schemas.microsoft.com/office/drawing/2018/hyperlinkcolor" val="tx"/>
+                      <ahyp:hlinkClr xmlns:ahyp="http://schemas.microsoft.com/office/drawing/2018/hyperlinkcolor" xmlns:p15="http://schemas.microsoft.com/office/powerpoint/2012/main" xmlns:p14="http://schemas.microsoft.com/office/powerpoint/2010/main" xmlns:com="http://schemas.openxmlformats.org/drawingml/2006/compatibility" xmlns:pvml="urn:schemas-microsoft-com:office:powerpoint" xmlns:v="urn:schemas-microsoft-com:vml" xmlns:o="urn:schemas-microsoft-com:office:office" xmlns:dgm="http://schemas.openxmlformats.org/drawingml/2006/diagram" xmlns:c="http://schemas.openxmlformats.org/drawingml/2006/chart" xmlns:mv="urn:schemas-microsoft-com:mac:vml" xmlns:mc="http://schemas.openxmlformats.org/markup-compatibility/2006" xmlns="" val="tx"/>
                     </a:ext>
                   </a:extLst>
                 </a:hlinkClick>
@@ -17277,7 +17277,7 @@
                 <a:hlinkClick r:id="rId7">
                   <a:extLst>
                     <a:ext uri="{A12FA001-AC4F-418D-AE19-62706E023703}">
-                      <ahyp:hlinkClr xmlns="" xmlns:mc="http://schemas.openxmlformats.org/markup-compatibility/2006" xmlns:mv="urn:schemas-microsoft-com:mac:vml" xmlns:c="http://schemas.openxmlformats.org/drawingml/2006/chart" xmlns:dgm="http://schemas.openxmlformats.org/drawingml/2006/diagram" xmlns:o="urn:schemas-microsoft-com:office:office" xmlns:v="urn:schemas-microsoft-com:vml" xmlns:pvml="urn:schemas-microsoft-com:office:powerpoint" xmlns:com="http://schemas.openxmlformats.org/drawingml/2006/compatibility" xmlns:p14="http://schemas.microsoft.com/office/powerpoint/2010/main" xmlns:p15="http://schemas.microsoft.com/office/powerpoint/2012/main" xmlns:ahyp="http://schemas.microsoft.com/office/drawing/2018/hyperlinkcolor" val="tx"/>
+                      <ahyp:hlinkClr xmlns:ahyp="http://schemas.microsoft.com/office/drawing/2018/hyperlinkcolor" xmlns:p15="http://schemas.microsoft.com/office/powerpoint/2012/main" xmlns:p14="http://schemas.microsoft.com/office/powerpoint/2010/main" xmlns:com="http://schemas.openxmlformats.org/drawingml/2006/compatibility" xmlns:pvml="urn:schemas-microsoft-com:office:powerpoint" xmlns:v="urn:schemas-microsoft-com:vml" xmlns:o="urn:schemas-microsoft-com:office:office" xmlns:dgm="http://schemas.openxmlformats.org/drawingml/2006/diagram" xmlns:c="http://schemas.openxmlformats.org/drawingml/2006/chart" xmlns:mv="urn:schemas-microsoft-com:mac:vml" xmlns:mc="http://schemas.openxmlformats.org/markup-compatibility/2006" xmlns="" val="tx"/>
                     </a:ext>
                   </a:extLst>
                 </a:hlinkClick>
@@ -17460,7 +17460,7 @@
                 <a:hlinkClick r:id="rId8">
                   <a:extLst>
                     <a:ext uri="{A12FA001-AC4F-418D-AE19-62706E023703}">
-                      <ahyp:hlinkClr xmlns="" xmlns:mc="http://schemas.openxmlformats.org/markup-compatibility/2006" xmlns:mv="urn:schemas-microsoft-com:mac:vml" xmlns:c="http://schemas.openxmlformats.org/drawingml/2006/chart" xmlns:dgm="http://schemas.openxmlformats.org/drawingml/2006/diagram" xmlns:o="urn:schemas-microsoft-com:office:office" xmlns:v="urn:schemas-microsoft-com:vml" xmlns:pvml="urn:schemas-microsoft-com:office:powerpoint" xmlns:com="http://schemas.openxmlformats.org/drawingml/2006/compatibility" xmlns:p14="http://schemas.microsoft.com/office/powerpoint/2010/main" xmlns:p15="http://schemas.microsoft.com/office/powerpoint/2012/main" xmlns:ahyp="http://schemas.microsoft.com/office/drawing/2018/hyperlinkcolor" val="tx"/>
+                      <ahyp:hlinkClr xmlns:ahyp="http://schemas.microsoft.com/office/drawing/2018/hyperlinkcolor" xmlns:p15="http://schemas.microsoft.com/office/powerpoint/2012/main" xmlns:p14="http://schemas.microsoft.com/office/powerpoint/2010/main" xmlns:com="http://schemas.openxmlformats.org/drawingml/2006/compatibility" xmlns:pvml="urn:schemas-microsoft-com:office:powerpoint" xmlns:v="urn:schemas-microsoft-com:vml" xmlns:o="urn:schemas-microsoft-com:office:office" xmlns:dgm="http://schemas.openxmlformats.org/drawingml/2006/diagram" xmlns:c="http://schemas.openxmlformats.org/drawingml/2006/chart" xmlns:mv="urn:schemas-microsoft-com:mac:vml" xmlns:mc="http://schemas.openxmlformats.org/markup-compatibility/2006" xmlns="" val="tx"/>
                     </a:ext>
                   </a:extLst>
                 </a:hlinkClick>
@@ -18160,7 +18160,7 @@
                 <a:hlinkClick r:id="rId6">
                   <a:extLst>
                     <a:ext uri="{A12FA001-AC4F-418D-AE19-62706E023703}">
-                      <ahyp:hlinkClr xmlns="" xmlns:mc="http://schemas.openxmlformats.org/markup-compatibility/2006" xmlns:mv="urn:schemas-microsoft-com:mac:vml" xmlns:c="http://schemas.openxmlformats.org/drawingml/2006/chart" xmlns:dgm="http://schemas.openxmlformats.org/drawingml/2006/diagram" xmlns:o="urn:schemas-microsoft-com:office:office" xmlns:v="urn:schemas-microsoft-com:vml" xmlns:pvml="urn:schemas-microsoft-com:office:powerpoint" xmlns:com="http://schemas.openxmlformats.org/drawingml/2006/compatibility" xmlns:p14="http://schemas.microsoft.com/office/powerpoint/2010/main" xmlns:p15="http://schemas.microsoft.com/office/powerpoint/2012/main" xmlns:ahyp="http://schemas.microsoft.com/office/drawing/2018/hyperlinkcolor" val="tx"/>
+                      <ahyp:hlinkClr xmlns:ahyp="http://schemas.microsoft.com/office/drawing/2018/hyperlinkcolor" xmlns:p15="http://schemas.microsoft.com/office/powerpoint/2012/main" xmlns:p14="http://schemas.microsoft.com/office/powerpoint/2010/main" xmlns:com="http://schemas.openxmlformats.org/drawingml/2006/compatibility" xmlns:pvml="urn:schemas-microsoft-com:office:powerpoint" xmlns:v="urn:schemas-microsoft-com:vml" xmlns:o="urn:schemas-microsoft-com:office:office" xmlns:dgm="http://schemas.openxmlformats.org/drawingml/2006/diagram" xmlns:c="http://schemas.openxmlformats.org/drawingml/2006/chart" xmlns:mv="urn:schemas-microsoft-com:mac:vml" xmlns:mc="http://schemas.openxmlformats.org/markup-compatibility/2006" xmlns="" val="tx"/>
                     </a:ext>
                   </a:extLst>
                 </a:hlinkClick>
@@ -19682,7 +19682,7 @@
                 <a:hlinkClick r:id="rId5">
                   <a:extLst>
                     <a:ext uri="{A12FA001-AC4F-418D-AE19-62706E023703}">
-                      <ahyp:hlinkClr xmlns="" xmlns:mc="http://schemas.openxmlformats.org/markup-compatibility/2006" xmlns:mv="urn:schemas-microsoft-com:mac:vml" xmlns:c="http://schemas.openxmlformats.org/drawingml/2006/chart" xmlns:dgm="http://schemas.openxmlformats.org/drawingml/2006/diagram" xmlns:o="urn:schemas-microsoft-com:office:office" xmlns:v="urn:schemas-microsoft-com:vml" xmlns:pvml="urn:schemas-microsoft-com:office:powerpoint" xmlns:com="http://schemas.openxmlformats.org/drawingml/2006/compatibility" xmlns:p14="http://schemas.microsoft.com/office/powerpoint/2010/main" xmlns:p15="http://schemas.microsoft.com/office/powerpoint/2012/main" xmlns:ahyp="http://schemas.microsoft.com/office/drawing/2018/hyperlinkcolor" val="tx"/>
+                      <ahyp:hlinkClr xmlns:ahyp="http://schemas.microsoft.com/office/drawing/2018/hyperlinkcolor" xmlns:p15="http://schemas.microsoft.com/office/powerpoint/2012/main" xmlns:p14="http://schemas.microsoft.com/office/powerpoint/2010/main" xmlns:com="http://schemas.openxmlformats.org/drawingml/2006/compatibility" xmlns:pvml="urn:schemas-microsoft-com:office:powerpoint" xmlns:v="urn:schemas-microsoft-com:vml" xmlns:o="urn:schemas-microsoft-com:office:office" xmlns:dgm="http://schemas.openxmlformats.org/drawingml/2006/diagram" xmlns:c="http://schemas.openxmlformats.org/drawingml/2006/chart" xmlns:mv="urn:schemas-microsoft-com:mac:vml" xmlns:mc="http://schemas.openxmlformats.org/markup-compatibility/2006" xmlns="" val="tx"/>
                     </a:ext>
                   </a:extLst>
                 </a:hlinkClick>
@@ -21902,8 +21902,8 @@
         </p:nvSpPr>
         <p:spPr>
           <a:xfrm>
-            <a:off x="541097" y="945928"/>
-            <a:ext cx="7823970" cy="4247317"/>
+            <a:off x="315319" y="1074839"/>
+            <a:ext cx="7823970" cy="4031873"/>
           </a:xfrm>
           <a:prstGeom prst="rect">
             <a:avLst/>
@@ -21922,7 +21922,7 @@
               <a:buSzPts val="1900"/>
             </a:pPr>
             <a:r>
-              <a:rPr lang="es-MX" dirty="0" smtClean="0">
+              <a:rPr lang="es-MX" sz="1600" dirty="0" smtClean="0">
                 <a:solidFill>
                   <a:srgbClr val="00426E"/>
                 </a:solidFill>
@@ -21934,7 +21934,7 @@
               <a:t>Partimos </a:t>
             </a:r>
             <a:r>
-              <a:rPr lang="es-MX" dirty="0">
+              <a:rPr lang="es-MX" sz="1600" dirty="0">
                 <a:solidFill>
                   <a:srgbClr val="00426E"/>
                 </a:solidFill>
@@ -21946,7 +21946,7 @@
               <a:t>de artículos del BOE para armar nuestro </a:t>
             </a:r>
             <a:r>
-              <a:rPr lang="es-MX" dirty="0" err="1">
+              <a:rPr lang="es-MX" sz="1600" dirty="0" err="1" smtClean="0">
                 <a:solidFill>
                   <a:srgbClr val="00426E"/>
                 </a:solidFill>
@@ -21958,7 +21958,7 @@
               <a:t>dataset</a:t>
             </a:r>
             <a:r>
-              <a:rPr lang="es-MX" dirty="0">
+              <a:rPr lang="es-MX" sz="1600" dirty="0" smtClean="0">
                 <a:solidFill>
                   <a:srgbClr val="00426E"/>
                 </a:solidFill>
@@ -21967,18 +21967,10 @@
                 <a:cs typeface="Lato"/>
                 <a:sym typeface="Lato"/>
               </a:rPr>
-              <a:t>;</a:t>
+              <a:t>; Sobre </a:t>
             </a:r>
-          </a:p>
-          <a:p>
-            <a:pPr marL="107950" lvl="0">
-              <a:buClr>
-                <a:srgbClr val="00426E"/>
-              </a:buClr>
-              <a:buSzPts val="1900"/>
-            </a:pPr>
             <a:r>
-              <a:rPr lang="es-MX" dirty="0">
+              <a:rPr lang="es-MX" sz="1600" dirty="0">
                 <a:solidFill>
                   <a:srgbClr val="00426E"/>
                 </a:solidFill>
@@ -21987,10 +21979,10 @@
                 <a:cs typeface="Lato"/>
                 <a:sym typeface="Lato"/>
               </a:rPr>
-              <a:t>Sobre estos artículos, nos disponíamos a formular preguntas y subrayar las respuestas dentro de cada artículo</a:t>
+              <a:t>estos artículos, nos disponíamos a formular preguntas y subrayar las respuestas dentro de cada artículo</a:t>
             </a:r>
             <a:r>
-              <a:rPr lang="es-MX" dirty="0" smtClean="0">
+              <a:rPr lang="es-MX" sz="1600" dirty="0" smtClean="0">
                 <a:solidFill>
                   <a:srgbClr val="00426E"/>
                 </a:solidFill>
@@ -22026,19 +22018,7 @@
               </a:buClr>
               <a:buSzPts val="1900"/>
             </a:pPr>
-            <a:r>
-              <a:rPr lang="es-MX" sz="1800" b="1" dirty="0" err="1" smtClean="0">
-                <a:solidFill>
-                  <a:srgbClr val="00426E"/>
-                </a:solidFill>
-                <a:latin typeface="Lato"/>
-                <a:ea typeface="Lato"/>
-                <a:cs typeface="Lato"/>
-                <a:sym typeface="Lato"/>
-              </a:rPr>
-              <a:t>Haystack</a:t>
-            </a:r>
-            <a:endParaRPr lang="es-MX" sz="1800" b="1" dirty="0" smtClean="0">
+            <a:endParaRPr lang="es-MX" b="1" dirty="0" smtClean="0">
               <a:solidFill>
                 <a:srgbClr val="00426E"/>
               </a:solidFill>
@@ -22066,6 +22046,23 @@
             </a:endParaRPr>
           </a:p>
           <a:p>
+            <a:pPr marL="107950" lvl="0">
+              <a:buClr>
+                <a:srgbClr val="00426E"/>
+              </a:buClr>
+              <a:buSzPts val="1900"/>
+            </a:pPr>
+            <a:endParaRPr lang="es-MX" b="1" dirty="0">
+              <a:solidFill>
+                <a:srgbClr val="00426E"/>
+              </a:solidFill>
+              <a:latin typeface="Lato"/>
+              <a:ea typeface="Lato"/>
+              <a:cs typeface="Lato"/>
+              <a:sym typeface="Lato"/>
+            </a:endParaRPr>
+          </a:p>
+          <a:p>
             <a:pPr marL="450850" lvl="0" indent="-342900">
               <a:buClr>
                 <a:srgbClr val="00426E"/>
@@ -22074,54 +22071,6 @@
               <a:buFont typeface="+mj-lt"/>
               <a:buAutoNum type="arabicPeriod"/>
             </a:pPr>
-            <a:r>
-              <a:rPr lang="es-MX" b="1" dirty="0" smtClean="0">
-                <a:solidFill>
-                  <a:srgbClr val="00426E"/>
-                </a:solidFill>
-                <a:latin typeface="Lato"/>
-                <a:ea typeface="Lato"/>
-                <a:cs typeface="Lato"/>
-                <a:sym typeface="Lato"/>
-              </a:rPr>
-              <a:t>Importando </a:t>
-            </a:r>
-            <a:r>
-              <a:rPr lang="es-MX" b="1" dirty="0">
-                <a:solidFill>
-                  <a:srgbClr val="00426E"/>
-                </a:solidFill>
-                <a:latin typeface="Lato"/>
-                <a:ea typeface="Lato"/>
-                <a:cs typeface="Lato"/>
-                <a:sym typeface="Lato"/>
-              </a:rPr>
-              <a:t>los </a:t>
-            </a:r>
-            <a:r>
-              <a:rPr lang="es-MX" b="1" dirty="0" smtClean="0">
-                <a:solidFill>
-                  <a:srgbClr val="00426E"/>
-                </a:solidFill>
-                <a:latin typeface="Lato"/>
-                <a:ea typeface="Lato"/>
-                <a:cs typeface="Lato"/>
-                <a:sym typeface="Lato"/>
-              </a:rPr>
-              <a:t>contextos</a:t>
-            </a:r>
-            <a:r>
-              <a:rPr lang="es-MX" b="1" dirty="0">
-                <a:solidFill>
-                  <a:srgbClr val="00426E"/>
-                </a:solidFill>
-                <a:latin typeface="Lato"/>
-                <a:ea typeface="Lato"/>
-                <a:cs typeface="Lato"/>
-                <a:sym typeface="Lato"/>
-              </a:rPr>
-              <a:t>.</a:t>
-            </a:r>
             <a:endParaRPr lang="es-MX" b="1" dirty="0" smtClean="0">
               <a:solidFill>
                 <a:srgbClr val="00426E"/>
@@ -22141,98 +22090,6 @@
               <a:buFont typeface="+mj-lt"/>
               <a:buAutoNum type="arabicPeriod"/>
             </a:pPr>
-            <a:r>
-              <a:rPr lang="es-MX" b="1" dirty="0" smtClean="0">
-                <a:solidFill>
-                  <a:srgbClr val="00426E"/>
-                </a:solidFill>
-                <a:latin typeface="Lato"/>
-                <a:ea typeface="Lato"/>
-                <a:cs typeface="Lato"/>
-                <a:sym typeface="Lato"/>
-              </a:rPr>
-              <a:t>incluyendo </a:t>
-            </a:r>
-            <a:r>
-              <a:rPr lang="es-MX" b="1" dirty="0">
-                <a:solidFill>
-                  <a:srgbClr val="00426E"/>
-                </a:solidFill>
-                <a:latin typeface="Lato"/>
-                <a:ea typeface="Lato"/>
-                <a:cs typeface="Lato"/>
-                <a:sym typeface="Lato"/>
-              </a:rPr>
-              <a:t>las </a:t>
-            </a:r>
-            <a:r>
-              <a:rPr lang="es-MX" b="1" dirty="0" smtClean="0">
-                <a:solidFill>
-                  <a:srgbClr val="00426E"/>
-                </a:solidFill>
-                <a:latin typeface="Lato"/>
-                <a:ea typeface="Lato"/>
-                <a:cs typeface="Lato"/>
-                <a:sym typeface="Lato"/>
-              </a:rPr>
-              <a:t>preguntas.  </a:t>
-            </a:r>
-          </a:p>
-          <a:p>
-            <a:pPr marL="450850" lvl="0" indent="-342900">
-              <a:buClr>
-                <a:srgbClr val="00426E"/>
-              </a:buClr>
-              <a:buSzPts val="1900"/>
-              <a:buFont typeface="+mj-lt"/>
-              <a:buAutoNum type="arabicPeriod"/>
-            </a:pPr>
-            <a:r>
-              <a:rPr lang="es-MX" b="1" dirty="0" smtClean="0">
-                <a:solidFill>
-                  <a:srgbClr val="00426E"/>
-                </a:solidFill>
-                <a:latin typeface="Lato"/>
-                <a:ea typeface="Lato"/>
-                <a:cs typeface="Lato"/>
-                <a:sym typeface="Lato"/>
-              </a:rPr>
-              <a:t>subrayando </a:t>
-            </a:r>
-            <a:r>
-              <a:rPr lang="es-MX" b="1" dirty="0">
-                <a:solidFill>
-                  <a:srgbClr val="00426E"/>
-                </a:solidFill>
-                <a:latin typeface="Lato"/>
-                <a:ea typeface="Lato"/>
-                <a:cs typeface="Lato"/>
-                <a:sym typeface="Lato"/>
-              </a:rPr>
-              <a:t>los contextos dentro de la misma plataforma</a:t>
-            </a:r>
-            <a:r>
-              <a:rPr lang="es-MX" b="1" dirty="0" smtClean="0">
-                <a:solidFill>
-                  <a:srgbClr val="00426E"/>
-                </a:solidFill>
-                <a:latin typeface="Lato"/>
-                <a:ea typeface="Lato"/>
-                <a:cs typeface="Lato"/>
-                <a:sym typeface="Lato"/>
-              </a:rPr>
-              <a:t>.</a:t>
-            </a:r>
-          </a:p>
-          <a:p>
-            <a:pPr marL="450850" lvl="0" indent="-342900">
-              <a:buClr>
-                <a:srgbClr val="00426E"/>
-              </a:buClr>
-              <a:buSzPts val="1900"/>
-              <a:buFont typeface="+mj-lt"/>
-              <a:buAutoNum type="arabicPeriod"/>
-            </a:pPr>
             <a:endParaRPr lang="es-MX" b="1" dirty="0">
               <a:solidFill>
                 <a:srgbClr val="00426E"/>
@@ -22279,7 +22136,39 @@
                 <a:cs typeface="Lato"/>
                 <a:sym typeface="Lato"/>
               </a:rPr>
-              <a:t>Llegamos a incluir los datos procedentes del BOE en diferentes modelos BERT y similares, y la mayoría de modelos funcionaron proveyendo respuestas consistentes a las preguntas formuladas. </a:t>
+              <a:t>Llegamos a incluir los datos procedentes del BOE en diferentes modelos BERT y similares, y la mayoría de modelos funcionaron proveyendo respuestas consistentes a las preguntas formuladas</a:t>
+            </a:r>
+            <a:r>
+              <a:rPr lang="es-MX" dirty="0" smtClean="0">
+                <a:solidFill>
+                  <a:srgbClr val="00426E"/>
+                </a:solidFill>
+                <a:latin typeface="Lato"/>
+                <a:ea typeface="Lato"/>
+                <a:cs typeface="Lato"/>
+                <a:sym typeface="Lato"/>
+              </a:rPr>
+              <a:t>.</a:t>
+            </a:r>
+          </a:p>
+          <a:p>
+            <a:pPr>
+              <a:buClr>
+                <a:srgbClr val="00426E"/>
+              </a:buClr>
+              <a:buSzPts val="1900"/>
+            </a:pPr>
+            <a:r>
+              <a:rPr lang="es-MX" dirty="0" smtClean="0">
+                <a:solidFill>
+                  <a:srgbClr val="00426E"/>
+                </a:solidFill>
+                <a:latin typeface="Lato"/>
+                <a:ea typeface="Lato"/>
+                <a:cs typeface="Lato"/>
+                <a:sym typeface="Lato"/>
+              </a:rPr>
+              <a:t> </a:t>
             </a:r>
             <a:endParaRPr lang="es-MX" dirty="0" smtClean="0">
               <a:solidFill>
@@ -22316,7 +22205,7 @@
               <a:buSzPts val="1900"/>
             </a:pPr>
             <a:r>
-              <a:rPr lang="es-MX" dirty="0" smtClean="0">
+              <a:rPr lang="es-MX" i="1" dirty="0" smtClean="0">
                 <a:solidFill>
                   <a:srgbClr val="00426E"/>
                 </a:solidFill>
@@ -22328,7 +22217,7 @@
               <a:t>El modelo </a:t>
             </a:r>
             <a:r>
-              <a:rPr lang="es-MX" dirty="0">
+              <a:rPr lang="es-MX" i="1" dirty="0">
                 <a:solidFill>
                   <a:srgbClr val="00426E"/>
                 </a:solidFill>
@@ -22340,7 +22229,7 @@
               <a:t>con mejor resultado y consistencia en respuestas fue </a:t>
             </a:r>
             <a:r>
-              <a:rPr lang="es-MX" dirty="0" err="1" smtClean="0">
+              <a:rPr lang="es-MX" b="1" i="1" dirty="0" err="1" smtClean="0">
                 <a:solidFill>
                   <a:srgbClr val="00426E"/>
                 </a:solidFill>
@@ -22352,7 +22241,7 @@
               <a:t>RoBERTa</a:t>
             </a:r>
             <a:r>
-              <a:rPr lang="es-MX" dirty="0" smtClean="0">
+              <a:rPr lang="es-MX" b="1" i="1" dirty="0" smtClean="0">
                 <a:solidFill>
                   <a:srgbClr val="00426E"/>
                 </a:solidFill>
@@ -22363,6 +22252,40 @@
               </a:rPr>
               <a:t>.</a:t>
             </a:r>
+            <a:endParaRPr lang="es-MX" b="1" i="1" dirty="0">
+              <a:solidFill>
+                <a:srgbClr val="00426E"/>
+              </a:solidFill>
+              <a:latin typeface="Lato"/>
+              <a:ea typeface="Lato"/>
+              <a:cs typeface="Lato"/>
+              <a:sym typeface="Lato"/>
+            </a:endParaRPr>
+          </a:p>
+          <a:p>
+            <a:pPr marL="107950" lvl="0">
+              <a:buClr>
+                <a:srgbClr val="00426E"/>
+              </a:buClr>
+              <a:buSzPts val="1900"/>
+            </a:pPr>
+            <a:endParaRPr lang="es-MX" b="1" dirty="0" smtClean="0">
+              <a:solidFill>
+                <a:srgbClr val="00426E"/>
+              </a:solidFill>
+              <a:latin typeface="Lato"/>
+              <a:ea typeface="Lato"/>
+              <a:cs typeface="Lato"/>
+              <a:sym typeface="Lato"/>
+            </a:endParaRPr>
+          </a:p>
+          <a:p>
+            <a:pPr marL="107950" lvl="0">
+              <a:buClr>
+                <a:srgbClr val="00426E"/>
+              </a:buClr>
+              <a:buSzPts val="1900"/>
+            </a:pPr>
             <a:endParaRPr lang="es-MX" dirty="0">
               <a:solidFill>
                 <a:srgbClr val="00426E"/>
@@ -22380,7 +22303,7 @@
               </a:buClr>
               <a:buSzPts val="1900"/>
             </a:pPr>
-            <a:endParaRPr lang="es-MX" b="1" dirty="0" smtClean="0">
+            <a:endParaRPr lang="es-MX" dirty="0" smtClean="0">
               <a:solidFill>
                 <a:srgbClr val="00426E"/>
               </a:solidFill>
@@ -22407,38 +22330,73 @@
               <a:sym typeface="Lato"/>
             </a:endParaRPr>
           </a:p>
-          <a:p>
-            <a:pPr marL="107950" lvl="0">
-              <a:buClr>
-                <a:srgbClr val="00426E"/>
-              </a:buClr>
-              <a:buSzPts val="1900"/>
-            </a:pPr>
-            <a:endParaRPr lang="es-MX" dirty="0" smtClean="0">
+        </p:txBody>
+      </p:sp>
+      <p:sp>
+        <p:nvSpPr>
+          <p:cNvPr id="6" name="Rectángulo 5"/>
+          <p:cNvSpPr/>
+          <p:nvPr/>
+        </p:nvSpPr>
+        <p:spPr>
+          <a:xfrm>
+            <a:off x="3288219" y="2272230"/>
+            <a:ext cx="1467555" cy="302405"/>
+          </a:xfrm>
+          <a:prstGeom prst="rect">
+            <a:avLst/>
+          </a:prstGeom>
+          <a:solidFill>
+            <a:schemeClr val="bg1"/>
+          </a:solidFill>
+          <a:ln>
+            <a:solidFill>
+              <a:schemeClr val="accent1">
+                <a:lumMod val="60000"/>
+                <a:lumOff val="40000"/>
+              </a:schemeClr>
+            </a:solidFill>
+          </a:ln>
+        </p:spPr>
+        <p:style>
+          <a:lnRef idx="2">
+            <a:schemeClr val="accent1">
+              <a:shade val="50000"/>
+            </a:schemeClr>
+          </a:lnRef>
+          <a:fillRef idx="1">
+            <a:schemeClr val="accent1"/>
+          </a:fillRef>
+          <a:effectRef idx="0">
+            <a:schemeClr val="accent1"/>
+          </a:effectRef>
+          <a:fontRef idx="minor">
+            <a:schemeClr val="lt1"/>
+          </a:fontRef>
+        </p:style>
+        <p:txBody>
+          <a:bodyPr rtlCol="0" anchor="ctr"/>
+          <a:lstStyle/>
+          <a:p>
+            <a:pPr algn="ctr"/>
+            <a:r>
+              <a:rPr lang="es-ES" sz="1600" b="1" dirty="0" err="1" smtClean="0">
+                <a:solidFill>
+                  <a:srgbClr val="00426E"/>
+                </a:solidFill>
+                <a:latin typeface="Lato"/>
+                <a:ea typeface="Lato"/>
+                <a:cs typeface="Lato"/>
+              </a:rPr>
+              <a:t>Haystack</a:t>
+            </a:r>
+            <a:endParaRPr lang="es-ES" sz="1600" b="1" dirty="0">
               <a:solidFill>
                 <a:srgbClr val="00426E"/>
               </a:solidFill>
               <a:latin typeface="Lato"/>
               <a:ea typeface="Lato"/>
               <a:cs typeface="Lato"/>
-              <a:sym typeface="Lato"/>
-            </a:endParaRPr>
-          </a:p>
-          <a:p>
-            <a:pPr marL="107950" lvl="0">
-              <a:buClr>
-                <a:srgbClr val="00426E"/>
-              </a:buClr>
-              <a:buSzPts val="1900"/>
-            </a:pPr>
-            <a:endParaRPr lang="es-MX" dirty="0">
-              <a:solidFill>
-                <a:srgbClr val="00426E"/>
-              </a:solidFill>
-              <a:latin typeface="Lato"/>
-              <a:ea typeface="Lato"/>
-              <a:cs typeface="Lato"/>
-              <a:sym typeface="Lato"/>
             </a:endParaRPr>
           </a:p>
         </p:txBody>
